--- a/KT.pptx
+++ b/KT.pptx
@@ -5,10 +5,10 @@
     <p:sldMasterId id="2147483653" r:id="rId1"/>
   </p:sldMasterIdLst>
   <p:notesMasterIdLst>
-    <p:notesMasterId r:id="rId12"/>
+    <p:notesMasterId r:id="rId14"/>
   </p:notesMasterIdLst>
   <p:handoutMasterIdLst>
-    <p:handoutMasterId r:id="rId13"/>
+    <p:handoutMasterId r:id="rId15"/>
   </p:handoutMasterIdLst>
   <p:sldIdLst>
     <p:sldId id="885" r:id="rId2"/>
@@ -17,15 +17,17 @@
     <p:sldId id="899" r:id="rId5"/>
     <p:sldId id="904" r:id="rId6"/>
     <p:sldId id="905" r:id="rId7"/>
-    <p:sldId id="902" r:id="rId8"/>
-    <p:sldId id="900" r:id="rId9"/>
-    <p:sldId id="903" r:id="rId10"/>
-    <p:sldId id="901" r:id="rId11"/>
+    <p:sldId id="906" r:id="rId8"/>
+    <p:sldId id="907" r:id="rId9"/>
+    <p:sldId id="902" r:id="rId10"/>
+    <p:sldId id="900" r:id="rId11"/>
+    <p:sldId id="903" r:id="rId12"/>
+    <p:sldId id="901" r:id="rId13"/>
   </p:sldIdLst>
   <p:sldSz cx="9906000" cy="6858000" type="A4"/>
   <p:notesSz cx="6807200" cy="9939338"/>
   <p:custDataLst>
-    <p:tags r:id="rId14"/>
+    <p:tags r:id="rId16"/>
   </p:custDataLst>
   <p:defaultTextStyle>
     <a:defPPr>
@@ -1148,6 +1150,190 @@
     </p:spTree>
     <p:extLst>
       <p:ext uri="{BB962C8B-B14F-4D97-AF65-F5344CB8AC3E}">
+        <p14:creationId xmlns:p14="http://schemas.microsoft.com/office/powerpoint/2010/main" val="2411473572"/>
+      </p:ext>
+    </p:extLst>
+  </p:cSld>
+  <p:clrMapOvr>
+    <a:masterClrMapping/>
+  </p:clrMapOvr>
+</p:notes>
+</file>
+
+<file path=ppt/notesSlides/notesSlide11.xml><?xml version="1.0" encoding="utf-8"?>
+<p:notes xmlns:a="http://schemas.openxmlformats.org/drawingml/2006/main" xmlns:r="http://schemas.openxmlformats.org/officeDocument/2006/relationships" xmlns:p="http://schemas.openxmlformats.org/presentationml/2006/main">
+  <p:cSld>
+    <p:spTree>
+      <p:nvGrpSpPr>
+        <p:cNvPr id="1" name=""/>
+        <p:cNvGrpSpPr/>
+        <p:nvPr/>
+      </p:nvGrpSpPr>
+      <p:grpSpPr>
+        <a:xfrm>
+          <a:off x="0" y="0"/>
+          <a:ext cx="0" cy="0"/>
+          <a:chOff x="0" y="0"/>
+          <a:chExt cx="0" cy="0"/>
+        </a:xfrm>
+      </p:grpSpPr>
+      <p:sp>
+        <p:nvSpPr>
+          <p:cNvPr id="2" name="スライド イメージ プレースホルダー 1"/>
+          <p:cNvSpPr>
+            <a:spLocks noGrp="1" noRot="1" noChangeAspect="1"/>
+          </p:cNvSpPr>
+          <p:nvPr>
+            <p:ph type="sldImg"/>
+          </p:nvPr>
+        </p:nvSpPr>
+        <p:spPr/>
+      </p:sp>
+      <p:sp>
+        <p:nvSpPr>
+          <p:cNvPr id="3" name="ノート プレースホルダー 2"/>
+          <p:cNvSpPr>
+            <a:spLocks noGrp="1"/>
+          </p:cNvSpPr>
+          <p:nvPr>
+            <p:ph type="body" idx="1"/>
+          </p:nvPr>
+        </p:nvSpPr>
+        <p:spPr/>
+        <p:txBody>
+          <a:bodyPr/>
+          <a:lstStyle/>
+          <a:p>
+            <a:r>
+              <a:rPr kumimoji="1" lang="ja-JP" altLang="en-US"/>
+              <a:t>あ</a:t>
+            </a:r>
+            <a:endParaRPr kumimoji="1" lang="en-US" altLang="ja-JP"/>
+          </a:p>
+        </p:txBody>
+      </p:sp>
+      <p:sp>
+        <p:nvSpPr>
+          <p:cNvPr id="4" name="スライド番号プレースホルダー 3"/>
+          <p:cNvSpPr>
+            <a:spLocks noGrp="1"/>
+          </p:cNvSpPr>
+          <p:nvPr>
+            <p:ph type="sldNum" sz="quarter" idx="5"/>
+          </p:nvPr>
+        </p:nvSpPr>
+        <p:spPr/>
+        <p:txBody>
+          <a:bodyPr/>
+          <a:lstStyle/>
+          <a:p>
+            <a:pPr>
+              <a:defRPr/>
+            </a:pPr>
+            <a:fld id="{710710B9-C34D-4998-9F97-0FADABF9842E}" type="slidenum">
+              <a:rPr lang="en-US" altLang="ja-JP" smtClean="0"/>
+              <a:pPr>
+                <a:defRPr/>
+              </a:pPr>
+              <a:t>11</a:t>
+            </a:fld>
+            <a:endParaRPr lang="en-US" altLang="ja-JP"/>
+          </a:p>
+        </p:txBody>
+      </p:sp>
+    </p:spTree>
+    <p:extLst>
+      <p:ext uri="{BB962C8B-B14F-4D97-AF65-F5344CB8AC3E}">
+        <p14:creationId xmlns:p14="http://schemas.microsoft.com/office/powerpoint/2010/main" val="3499327447"/>
+      </p:ext>
+    </p:extLst>
+  </p:cSld>
+  <p:clrMapOvr>
+    <a:masterClrMapping/>
+  </p:clrMapOvr>
+</p:notes>
+</file>
+
+<file path=ppt/notesSlides/notesSlide12.xml><?xml version="1.0" encoding="utf-8"?>
+<p:notes xmlns:a="http://schemas.openxmlformats.org/drawingml/2006/main" xmlns:r="http://schemas.openxmlformats.org/officeDocument/2006/relationships" xmlns:p="http://schemas.openxmlformats.org/presentationml/2006/main">
+  <p:cSld>
+    <p:spTree>
+      <p:nvGrpSpPr>
+        <p:cNvPr id="1" name=""/>
+        <p:cNvGrpSpPr/>
+        <p:nvPr/>
+      </p:nvGrpSpPr>
+      <p:grpSpPr>
+        <a:xfrm>
+          <a:off x="0" y="0"/>
+          <a:ext cx="0" cy="0"/>
+          <a:chOff x="0" y="0"/>
+          <a:chExt cx="0" cy="0"/>
+        </a:xfrm>
+      </p:grpSpPr>
+      <p:sp>
+        <p:nvSpPr>
+          <p:cNvPr id="2" name="スライド イメージ プレースホルダー 1"/>
+          <p:cNvSpPr>
+            <a:spLocks noGrp="1" noRot="1" noChangeAspect="1"/>
+          </p:cNvSpPr>
+          <p:nvPr>
+            <p:ph type="sldImg"/>
+          </p:nvPr>
+        </p:nvSpPr>
+        <p:spPr/>
+      </p:sp>
+      <p:sp>
+        <p:nvSpPr>
+          <p:cNvPr id="3" name="ノート プレースホルダー 2"/>
+          <p:cNvSpPr>
+            <a:spLocks noGrp="1"/>
+          </p:cNvSpPr>
+          <p:nvPr>
+            <p:ph type="body" idx="1"/>
+          </p:nvPr>
+        </p:nvSpPr>
+        <p:spPr/>
+        <p:txBody>
+          <a:bodyPr/>
+          <a:lstStyle/>
+          <a:p>
+            <a:endParaRPr kumimoji="1" lang="en-US" altLang="ja-JP" dirty="0"/>
+          </a:p>
+        </p:txBody>
+      </p:sp>
+      <p:sp>
+        <p:nvSpPr>
+          <p:cNvPr id="4" name="スライド番号プレースホルダー 3"/>
+          <p:cNvSpPr>
+            <a:spLocks noGrp="1"/>
+          </p:cNvSpPr>
+          <p:nvPr>
+            <p:ph type="sldNum" sz="quarter" idx="5"/>
+          </p:nvPr>
+        </p:nvSpPr>
+        <p:spPr/>
+        <p:txBody>
+          <a:bodyPr/>
+          <a:lstStyle/>
+          <a:p>
+            <a:pPr>
+              <a:defRPr/>
+            </a:pPr>
+            <a:fld id="{710710B9-C34D-4998-9F97-0FADABF9842E}" type="slidenum">
+              <a:rPr lang="en-US" altLang="ja-JP" smtClean="0"/>
+              <a:pPr>
+                <a:defRPr/>
+              </a:pPr>
+              <a:t>12</a:t>
+            </a:fld>
+            <a:endParaRPr lang="en-US" altLang="ja-JP"/>
+          </a:p>
+        </p:txBody>
+      </p:sp>
+    </p:spTree>
+    <p:extLst>
+      <p:ext uri="{BB962C8B-B14F-4D97-AF65-F5344CB8AC3E}">
         <p14:creationId xmlns:p14="http://schemas.microsoft.com/office/powerpoint/2010/main" val="3996325731"/>
       </p:ext>
     </p:extLst>
@@ -1656,11 +1842,7 @@
           <a:bodyPr/>
           <a:lstStyle/>
           <a:p>
-            <a:r>
-              <a:rPr kumimoji="1" lang="ja-JP" altLang="en-US"/>
-              <a:t>あ</a:t>
-            </a:r>
-            <a:endParaRPr kumimoji="1" lang="en-US" altLang="ja-JP"/>
+            <a:endParaRPr kumimoji="1" lang="en-US" altLang="ja-JP" dirty="0"/>
           </a:p>
         </p:txBody>
       </p:sp>
@@ -1696,7 +1878,7 @@
     </p:spTree>
     <p:extLst>
       <p:ext uri="{BB962C8B-B14F-4D97-AF65-F5344CB8AC3E}">
-        <p14:creationId xmlns:p14="http://schemas.microsoft.com/office/powerpoint/2010/main" val="2971917982"/>
+        <p14:creationId xmlns:p14="http://schemas.microsoft.com/office/powerpoint/2010/main" val="3956520429"/>
       </p:ext>
     </p:extLst>
   </p:cSld>
@@ -1786,7 +1968,7 @@
     </p:spTree>
     <p:extLst>
       <p:ext uri="{BB962C8B-B14F-4D97-AF65-F5344CB8AC3E}">
-        <p14:creationId xmlns:p14="http://schemas.microsoft.com/office/powerpoint/2010/main" val="2411473572"/>
+        <p14:creationId xmlns:p14="http://schemas.microsoft.com/office/powerpoint/2010/main" val="3441408746"/>
       </p:ext>
     </p:extLst>
   </p:cSld>
@@ -1880,7 +2062,7 @@
     </p:spTree>
     <p:extLst>
       <p:ext uri="{BB962C8B-B14F-4D97-AF65-F5344CB8AC3E}">
-        <p14:creationId xmlns:p14="http://schemas.microsoft.com/office/powerpoint/2010/main" val="3499327447"/>
+        <p14:creationId xmlns:p14="http://schemas.microsoft.com/office/powerpoint/2010/main" val="2971917982"/>
       </p:ext>
     </p:extLst>
   </p:cSld>
@@ -3693,7 +3875,7 @@
             <a:pPr algn="ctr"/>
             <a:r>
               <a:rPr lang="en" altLang="ja-JP" sz="3600" b="1" dirty="0"/>
-              <a:t>2024/09/13</a:t>
+              <a:t>2024/09/17</a:t>
             </a:r>
             <a:br>
               <a:rPr kumimoji="1" lang="en" altLang="ja-JP" sz="3600" b="1" dirty="0">
@@ -4049,11 +4231,11 @@
             </a:br>
             <a:r>
               <a:rPr lang="en-US" altLang="ja-JP" dirty="0"/>
-              <a:t>Step3</a:t>
+              <a:t>Step2</a:t>
             </a:r>
             <a:r>
               <a:rPr lang="ja-JP" altLang="en-US"/>
-              <a:t>：遷移も分かってる人工データ</a:t>
+              <a:t>：遷移経路が分からない人工データ</a:t>
             </a:r>
             <a:endParaRPr kumimoji="1" lang="ja-JP" altLang="en-US" dirty="0">
               <a:solidFill>
@@ -4090,16 +4272,26 @@
             </a:endParaRPr>
           </a:p>
           <a:p>
-            <a:pPr marL="0" indent="0" eaLnBrk="1" hangingPunct="1">
-              <a:buNone/>
-            </a:pPr>
-            <a:r>
-              <a:rPr lang="ja-JP" altLang="en-US" sz="2400">
+            <a:pPr eaLnBrk="1" hangingPunct="1"/>
+            <a:r>
+              <a:rPr lang="ja-JP" altLang="en-US">
                 <a:cs typeface="Meiryo UI" pitchFamily="50" charset="-128"/>
               </a:rPr>
-              <a:t>この場合だと４問出題されたと想定</a:t>
-            </a:r>
-            <a:endParaRPr lang="en-US" altLang="ja-JP" sz="2400" dirty="0">
+              <a:t>ただし、遷移経路は分からない</a:t>
+            </a:r>
+            <a:endParaRPr lang="en-US" altLang="ja-JP" dirty="0">
+              <a:cs typeface="Meiryo UI" pitchFamily="50" charset="-128"/>
+            </a:endParaRPr>
+          </a:p>
+          <a:p>
+            <a:pPr eaLnBrk="1" hangingPunct="1"/>
+            <a:r>
+              <a:rPr lang="ja-JP" altLang="en-US">
+                <a:cs typeface="Meiryo UI" pitchFamily="50" charset="-128"/>
+              </a:rPr>
+              <a:t>各ノードの分布のみから依存関係を復元したい</a:t>
+            </a:r>
+            <a:endParaRPr lang="en-US" altLang="ja-JP" dirty="0">
               <a:cs typeface="Meiryo UI" pitchFamily="50" charset="-128"/>
             </a:endParaRPr>
           </a:p>
@@ -4109,44 +4301,182 @@
               <a:cs typeface="Meiryo UI" pitchFamily="50" charset="-128"/>
             </a:endParaRPr>
           </a:p>
+          <a:p>
+            <a:pPr eaLnBrk="1" hangingPunct="1"/>
+            <a:r>
+              <a:rPr lang="ja-JP" altLang="en-US">
+                <a:cs typeface="Meiryo UI" pitchFamily="50" charset="-128"/>
+              </a:rPr>
+              <a:t>学習データはどうすればいい？（考え中）</a:t>
+            </a:r>
+            <a:endParaRPr lang="en-US" altLang="ja-JP" dirty="0">
+              <a:cs typeface="Meiryo UI" pitchFamily="50" charset="-128"/>
+            </a:endParaRPr>
+          </a:p>
         </p:txBody>
       </p:sp>
-      <p:pic>
-        <p:nvPicPr>
-          <p:cNvPr id="5" name="図 4" descr="コンピューターの画面に映る文字&#10;&#10;中程度の精度で自動的に生成された説明">
-            <a:extLst>
-              <a:ext uri="{FF2B5EF4-FFF2-40B4-BE49-F238E27FC236}">
-                <a16:creationId xmlns:a16="http://schemas.microsoft.com/office/drawing/2014/main" id="{3CA595CB-DD28-6729-3E29-18B489B95491}"/>
-              </a:ext>
-            </a:extLst>
-          </p:cNvPr>
-          <p:cNvPicPr>
-            <a:picLocks noChangeAspect="1"/>
-          </p:cNvPicPr>
-          <p:nvPr/>
-        </p:nvPicPr>
-        <p:blipFill>
-          <a:blip r:embed="rId3">
-            <a:extLst>
-              <a:ext uri="{28A0092B-C50C-407E-A947-70E740481C1C}">
-                <a14:useLocalDpi xmlns:a14="http://schemas.microsoft.com/office/drawing/2010/main" val="0"/>
-              </a:ext>
-            </a:extLst>
-          </a:blip>
-          <a:stretch>
-            <a:fillRect/>
-          </a:stretch>
-        </p:blipFill>
+    </p:spTree>
+    <p:extLst>
+      <p:ext uri="{BB962C8B-B14F-4D97-AF65-F5344CB8AC3E}">
+        <p14:creationId xmlns:p14="http://schemas.microsoft.com/office/powerpoint/2010/main" val="2333602121"/>
+      </p:ext>
+    </p:extLst>
+  </p:cSld>
+  <p:clrMapOvr>
+    <a:masterClrMapping/>
+  </p:clrMapOvr>
+</p:sld>
+</file>
+
+<file path=ppt/slides/slide11.xml><?xml version="1.0" encoding="utf-8"?>
+<p:sld xmlns:a="http://schemas.openxmlformats.org/drawingml/2006/main" xmlns:r="http://schemas.openxmlformats.org/officeDocument/2006/relationships" xmlns:p="http://schemas.openxmlformats.org/presentationml/2006/main">
+  <p:cSld>
+    <p:spTree>
+      <p:nvGrpSpPr>
+        <p:cNvPr id="1" name=""/>
+        <p:cNvGrpSpPr/>
+        <p:nvPr/>
+      </p:nvGrpSpPr>
+      <p:grpSpPr>
+        <a:xfrm>
+          <a:off x="0" y="0"/>
+          <a:ext cx="0" cy="0"/>
+          <a:chOff x="0" y="0"/>
+          <a:chExt cx="0" cy="0"/>
+        </a:xfrm>
+      </p:grpSpPr>
+      <p:sp>
+        <p:nvSpPr>
+          <p:cNvPr id="2" name="タイトル 1"/>
+          <p:cNvSpPr>
+            <a:spLocks noGrp="1"/>
+          </p:cNvSpPr>
+          <p:nvPr>
+            <p:ph type="title"/>
+          </p:nvPr>
+        </p:nvSpPr>
+        <p:spPr/>
+        <p:txBody>
+          <a:bodyPr/>
+          <a:lstStyle/>
+          <a:p>
+            <a:r>
+              <a:rPr lang="en-US" altLang="ja-JP" dirty="0"/>
+              <a:t>Step3</a:t>
+            </a:r>
+            <a:r>
+              <a:rPr lang="ja-JP" altLang="en-US"/>
+              <a:t>：遷移も分かってる人工データ</a:t>
+            </a:r>
+            <a:endParaRPr kumimoji="1" lang="ja-JP" altLang="en-US" dirty="0"/>
+          </a:p>
+        </p:txBody>
+      </p:sp>
+    </p:spTree>
+    <p:extLst>
+      <p:ext uri="{BB962C8B-B14F-4D97-AF65-F5344CB8AC3E}">
+        <p14:creationId xmlns:p14="http://schemas.microsoft.com/office/powerpoint/2010/main" val="3800454122"/>
+      </p:ext>
+    </p:extLst>
+  </p:cSld>
+  <p:clrMapOvr>
+    <a:masterClrMapping/>
+  </p:clrMapOvr>
+</p:sld>
+</file>
+
+<file path=ppt/slides/slide12.xml><?xml version="1.0" encoding="utf-8"?>
+<p:sld xmlns:a="http://schemas.openxmlformats.org/drawingml/2006/main" xmlns:r="http://schemas.openxmlformats.org/officeDocument/2006/relationships" xmlns:p="http://schemas.openxmlformats.org/presentationml/2006/main">
+  <p:cSld>
+    <p:spTree>
+      <p:nvGrpSpPr>
+        <p:cNvPr id="1" name=""/>
+        <p:cNvGrpSpPr/>
+        <p:nvPr/>
+      </p:nvGrpSpPr>
+      <p:grpSpPr>
+        <a:xfrm>
+          <a:off x="0" y="0"/>
+          <a:ext cx="0" cy="0"/>
+          <a:chOff x="0" y="0"/>
+          <a:chExt cx="0" cy="0"/>
+        </a:xfrm>
+      </p:grpSpPr>
+      <p:sp>
+        <p:nvSpPr>
+          <p:cNvPr id="2" name="タイトル 1"/>
+          <p:cNvSpPr>
+            <a:spLocks noGrp="1"/>
+          </p:cNvSpPr>
+          <p:nvPr>
+            <p:ph type="title"/>
+          </p:nvPr>
+        </p:nvSpPr>
+        <p:spPr/>
+        <p:txBody>
+          <a:bodyPr/>
+          <a:lstStyle/>
+          <a:p>
+            <a:r>
+              <a:rPr lang="ja-JP" altLang="en-US"/>
+              <a:t>集団テストからの時系列復元</a:t>
+            </a:r>
+            <a:r>
+              <a:rPr lang="en-US" altLang="ja-JP" dirty="0"/>
+              <a:t>:</a:t>
+            </a:r>
+            <a:br>
+              <a:rPr lang="en-US" altLang="ja-JP" dirty="0"/>
+            </a:br>
+            <a:r>
+              <a:rPr lang="en-US" altLang="ja-JP" dirty="0"/>
+              <a:t>Step3</a:t>
+            </a:r>
+            <a:r>
+              <a:rPr lang="ja-JP" altLang="en-US"/>
+              <a:t>：遷移も分かってる人工データ</a:t>
+            </a:r>
+            <a:endParaRPr kumimoji="1" lang="ja-JP" altLang="en-US" dirty="0">
+              <a:solidFill>
+                <a:schemeClr val="tx1"/>
+              </a:solidFill>
+            </a:endParaRPr>
+          </a:p>
+        </p:txBody>
+      </p:sp>
+      <p:sp>
+        <p:nvSpPr>
+          <p:cNvPr id="3" name="コンテンツ プレースホルダー 2"/>
+          <p:cNvSpPr>
+            <a:spLocks noGrp="1"/>
+          </p:cNvSpPr>
+          <p:nvPr>
+            <p:ph idx="1"/>
+          </p:nvPr>
+        </p:nvSpPr>
         <p:spPr>
           <a:xfrm>
-            <a:off x="375318" y="2392623"/>
-            <a:ext cx="4805547" cy="2072754"/>
+            <a:off x="350838" y="1340768"/>
+            <a:ext cx="9426698" cy="4752528"/>
           </a:xfrm>
-          <a:prstGeom prst="rect">
-            <a:avLst/>
-          </a:prstGeom>
         </p:spPr>
-      </p:pic>
+        <p:txBody>
+          <a:bodyPr/>
+          <a:lstStyle/>
+          <a:p>
+            <a:pPr eaLnBrk="1" hangingPunct="1"/>
+            <a:r>
+              <a:rPr lang="ja-JP" altLang="en-US">
+                <a:cs typeface="Meiryo UI" pitchFamily="50" charset="-128"/>
+              </a:rPr>
+              <a:t>実データを学習データ・テストデータに分けて、学習データで作ったグラフ構造の分布通りにテストデータが分布しているか検証？</a:t>
+            </a:r>
+            <a:endParaRPr lang="en-US" altLang="ja-JP" dirty="0">
+              <a:cs typeface="Meiryo UI" pitchFamily="50" charset="-128"/>
+            </a:endParaRPr>
+          </a:p>
+        </p:txBody>
+      </p:sp>
     </p:spTree>
     <p:extLst>
       <p:ext uri="{BB962C8B-B14F-4D97-AF65-F5344CB8AC3E}">
@@ -8652,7 +8982,7 @@
         </p:blipFill>
         <p:spPr>
           <a:xfrm>
-            <a:off x="3656856" y="2060848"/>
+            <a:off x="4850186" y="2564904"/>
             <a:ext cx="5040560" cy="2174121"/>
           </a:xfrm>
           <a:prstGeom prst="rect">
@@ -8728,8 +9058,8 @@
           </a:p>
         </p:txBody>
       </p:sp>
-      <mc:AlternateContent xmlns:mc="http://schemas.openxmlformats.org/markup-compatibility/2006">
-        <mc:Choice xmlns:a14="http://schemas.microsoft.com/office/drawing/2010/main" Requires="a14">
+      <mc:AlternateContent xmlns:mc="http://schemas.openxmlformats.org/markup-compatibility/2006" xmlns:a14="http://schemas.microsoft.com/office/drawing/2010/main">
+        <mc:Choice Requires="a14">
           <p:sp>
             <p:nvSpPr>
               <p:cNvPr id="3" name="コンテンツ プレースホルダー 2"/>
@@ -8871,7 +9201,7 @@
                       <m:sSub>
                         <m:sSubPr>
                           <m:ctrlPr>
-                            <a:rPr lang="en-US" altLang="ja-JP" sz="2400" b="0" i="0" smtClean="0">
+                            <a:rPr lang="en-US" altLang="ja-JP" sz="2400" b="0" i="1" smtClean="0">
                               <a:latin typeface="Cambria Math" panose="02040503050406030204" pitchFamily="18" charset="0"/>
                             </a:rPr>
                           </m:ctrlPr>
@@ -9147,7 +9477,13 @@
                                 <a:rPr lang="en-US" altLang="ja-JP" sz="2400" b="0" i="1" smtClean="0">
                                   <a:latin typeface="Cambria Math" panose="02040503050406030204" pitchFamily="18" charset="0"/>
                                 </a:rPr>
-                                <m:t>=0}</m:t>
+                                <m:t>=</m:t>
+                              </m:r>
+                              <m:r>
+                                <a:rPr lang="en-US" altLang="ja-JP" sz="2400" b="0" i="1" smtClean="0">
+                                  <a:latin typeface="Cambria Math" panose="02040503050406030204" pitchFamily="18" charset="0"/>
+                                </a:rPr>
+                                <m:t>0}</m:t>
                               </m:r>
                             </m:sub>
                             <m:sup/>
@@ -9322,10 +9658,40 @@
                   <a:cs typeface="Meiryo UI" pitchFamily="50" charset="-128"/>
                 </a:endParaRPr>
               </a:p>
+              <a:p>
+                <a:pPr marL="0" indent="0" eaLnBrk="1" hangingPunct="1">
+                  <a:buNone/>
+                </a:pPr>
+                <a:br>
+                  <a:rPr lang="en-US" altLang="ja-JP" dirty="0">
+                    <a:cs typeface="Meiryo UI" pitchFamily="50" charset="-128"/>
+                  </a:rPr>
+                </a:br>
+                <a:r>
+                  <a:rPr lang="ja-JP" altLang="en-US">
+                    <a:cs typeface="Meiryo UI" pitchFamily="50" charset="-128"/>
+                  </a:rPr>
+                  <a:t>繰り返してデータセットを</a:t>
+                </a:r>
+                <a:br>
+                  <a:rPr lang="en-US" altLang="ja-JP" dirty="0">
+                    <a:cs typeface="Meiryo UI" pitchFamily="50" charset="-128"/>
+                  </a:rPr>
+                </a:br>
+                <a:r>
+                  <a:rPr lang="ja-JP" altLang="en-US">
+                    <a:cs typeface="Meiryo UI" pitchFamily="50" charset="-128"/>
+                  </a:rPr>
+                  <a:t>作る。</a:t>
+                </a:r>
+                <a:endParaRPr lang="en-US" altLang="ja-JP" dirty="0">
+                  <a:cs typeface="Meiryo UI" pitchFamily="50" charset="-128"/>
+                </a:endParaRPr>
+              </a:p>
             </p:txBody>
           </p:sp>
         </mc:Choice>
-        <mc:Fallback>
+        <mc:Fallback xmlns="">
           <p:sp>
             <p:nvSpPr>
               <p:cNvPr id="3" name="コンテンツ プレースホルダー 2"/>
@@ -9344,7 +9710,7 @@
               <a:blipFill>
                 <a:blip r:embed="rId3"/>
                 <a:stretch>
-                  <a:fillRect l="-1355" t="-1596"/>
+                  <a:fillRect l="-1355" t="-1596" b="-6915"/>
                 </a:stretch>
               </a:blipFill>
             </p:spPr>
@@ -9420,7 +9786,7 @@
         </p:blipFill>
         <p:spPr>
           <a:xfrm>
-            <a:off x="3944888" y="3861048"/>
+            <a:off x="4736976" y="3861048"/>
             <a:ext cx="4536504" cy="2746214"/>
           </a:xfrm>
           <a:prstGeom prst="rect">
@@ -9486,7 +9852,7 @@
             </a:br>
             <a:r>
               <a:rPr lang="ja-JP" altLang="en-US"/>
-              <a:t>作り方（適切か分かってない）</a:t>
+              <a:t>モデル</a:t>
             </a:r>
             <a:endParaRPr kumimoji="1" lang="ja-JP" altLang="en-US" dirty="0">
               <a:solidFill>
@@ -9496,298 +9862,167 @@
           </a:p>
         </p:txBody>
       </p:sp>
-      <mc:AlternateContent xmlns:mc="http://schemas.openxmlformats.org/markup-compatibility/2006">
-        <mc:Choice xmlns:a14="http://schemas.microsoft.com/office/drawing/2010/main" Requires="a14">
-          <p:sp>
-            <p:nvSpPr>
-              <p:cNvPr id="3" name="コンテンツ プレースホルダー 2"/>
-              <p:cNvSpPr>
-                <a:spLocks noGrp="1"/>
-              </p:cNvSpPr>
-              <p:nvPr>
-                <p:ph idx="1"/>
-              </p:nvPr>
-            </p:nvSpPr>
-            <p:spPr/>
-            <p:txBody>
-              <a:bodyPr/>
-              <a:lstStyle/>
-              <a:p>
-                <a:pPr eaLnBrk="1" hangingPunct="1"/>
-                <a:r>
-                  <a:rPr lang="ja-JP" altLang="en-US">
-                    <a:cs typeface="Meiryo UI" pitchFamily="50" charset="-128"/>
-                  </a:rPr>
-                  <a:t>まずは依存関係行列</a:t>
-                </a:r>
-                <a:r>
-                  <a:rPr lang="en-US" altLang="ja-JP" dirty="0">
-                    <a:cs typeface="Meiryo UI" pitchFamily="50" charset="-128"/>
-                  </a:rPr>
-                  <a:t>A</a:t>
-                </a:r>
-                <a:r>
-                  <a:rPr lang="ja-JP" altLang="en-US">
-                    <a:cs typeface="Meiryo UI" pitchFamily="50" charset="-128"/>
-                  </a:rPr>
-                  <a:t>からデータ生成</a:t>
-                </a:r>
-                <a:endParaRPr lang="en-US" altLang="ja-JP" sz="2400" dirty="0">
-                  <a:cs typeface="Meiryo UI" pitchFamily="50" charset="-128"/>
-                </a:endParaRPr>
-              </a:p>
-              <a:p>
-                <a:pPr marL="0" indent="0" eaLnBrk="1" hangingPunct="1">
-                  <a:buNone/>
-                </a:pPr>
-                <a:r>
-                  <a:rPr lang="ja-JP" altLang="en-US" sz="2400">
-                    <a:cs typeface="Meiryo UI" pitchFamily="50" charset="-128"/>
-                  </a:rPr>
-                  <a:t>初期状態</a:t>
-                </a:r>
-                <a14:m>
-                  <m:oMath xmlns:m="http://schemas.openxmlformats.org/officeDocument/2006/math">
-                    <m:sSub>
-                      <m:sSubPr>
-                        <m:ctrlPr>
-                          <a:rPr lang="en-US" altLang="ja-JP" sz="2400" b="0" i="1" smtClean="0">
-                            <a:latin typeface="Cambria Math" panose="02040503050406030204" pitchFamily="18" charset="0"/>
-                            <a:cs typeface="Meiryo UI" pitchFamily="50" charset="-128"/>
-                          </a:rPr>
-                        </m:ctrlPr>
-                      </m:sSubPr>
-                      <m:e>
-                        <m:r>
-                          <a:rPr lang="en-US" altLang="ja-JP" sz="2400" b="1" i="1">
-                            <a:latin typeface="Cambria Math" panose="02040503050406030204" pitchFamily="18" charset="0"/>
-                            <a:cs typeface="Meiryo UI" pitchFamily="50" charset="-128"/>
-                          </a:rPr>
-                          <m:t>𝑿</m:t>
-                        </m:r>
-                      </m:e>
-                      <m:sub>
-                        <m:r>
-                          <a:rPr lang="en-US" altLang="ja-JP" sz="2400" b="0" i="1" smtClean="0">
-                            <a:latin typeface="Cambria Math" panose="02040503050406030204" pitchFamily="18" charset="0"/>
-                            <a:cs typeface="Meiryo UI" pitchFamily="50" charset="-128"/>
-                          </a:rPr>
-                          <m:t>0</m:t>
-                        </m:r>
-                      </m:sub>
-                    </m:sSub>
-                    <m:r>
-                      <a:rPr lang="en-US" altLang="ja-JP" sz="2400" b="0" i="1" smtClean="0">
-                        <a:latin typeface="Cambria Math" panose="02040503050406030204" pitchFamily="18" charset="0"/>
-                        <a:cs typeface="Meiryo UI" pitchFamily="50" charset="-128"/>
-                      </a:rPr>
-                      <m:t>=[0,0,0,0,0]</m:t>
-                    </m:r>
-                  </m:oMath>
-                </a14:m>
-                <a:r>
-                  <a:rPr lang="ja-JP" altLang="en-US" dirty="0">
-                    <a:cs typeface="Meiryo UI" pitchFamily="50" charset="-128"/>
-                  </a:rPr>
-                  <a:t>から</a:t>
-                </a:r>
-                <a:r>
-                  <a:rPr lang="ja-JP" altLang="en-US">
-                    <a:cs typeface="Meiryo UI" pitchFamily="50" charset="-128"/>
-                  </a:rPr>
-                  <a:t>スタートし、</a:t>
-                </a:r>
-                <a:br>
-                  <a:rPr lang="en-US" altLang="ja-JP" dirty="0">
-                    <a:cs typeface="Meiryo UI" pitchFamily="50" charset="-128"/>
-                  </a:rPr>
-                </a:br>
-                <a14:m>
-                  <m:oMath xmlns:m="http://schemas.openxmlformats.org/officeDocument/2006/math">
-                    <m:sSub>
-                      <m:sSubPr>
-                        <m:ctrlPr>
-                          <a:rPr lang="en-US" altLang="ja-JP" sz="2400" i="1">
-                            <a:latin typeface="Cambria Math" panose="02040503050406030204" pitchFamily="18" charset="0"/>
-                            <a:cs typeface="Meiryo UI" pitchFamily="50" charset="-128"/>
-                          </a:rPr>
-                        </m:ctrlPr>
-                      </m:sSubPr>
-                      <m:e>
-                        <m:r>
-                          <m:rPr>
-                            <m:sty m:val="p"/>
-                          </m:rPr>
-                          <a:rPr lang="en-US" altLang="ja-JP" sz="2400" b="0" i="0" smtClean="0">
-                            <a:latin typeface="Cambria Math" panose="02040503050406030204" pitchFamily="18" charset="0"/>
-                            <a:cs typeface="Meiryo UI" pitchFamily="50" charset="-128"/>
-                          </a:rPr>
-                          <m:t>exp</m:t>
-                        </m:r>
-                        <m:r>
-                          <a:rPr lang="en-US" altLang="ja-JP" sz="2400" b="1" i="1" smtClean="0">
-                            <a:latin typeface="Cambria Math" panose="02040503050406030204" pitchFamily="18" charset="0"/>
-                            <a:cs typeface="Meiryo UI" pitchFamily="50" charset="-128"/>
-                          </a:rPr>
-                          <m:t>⁡(</m:t>
-                        </m:r>
-                        <m:r>
-                          <a:rPr lang="en-US" altLang="ja-JP" sz="2400" b="1" i="1">
-                            <a:latin typeface="Cambria Math" panose="02040503050406030204" pitchFamily="18" charset="0"/>
-                            <a:cs typeface="Meiryo UI" pitchFamily="50" charset="-128"/>
-                          </a:rPr>
-                          <m:t>𝑿</m:t>
-                        </m:r>
-                      </m:e>
-                      <m:sub>
-                        <m:r>
-                          <a:rPr lang="en-US" altLang="ja-JP" sz="2400" b="0" i="1" smtClean="0">
-                            <a:latin typeface="Cambria Math" panose="02040503050406030204" pitchFamily="18" charset="0"/>
-                            <a:cs typeface="Meiryo UI" pitchFamily="50" charset="-128"/>
-                          </a:rPr>
-                          <m:t>𝑖</m:t>
-                        </m:r>
-                      </m:sub>
-                    </m:sSub>
-                    <m:sSub>
-                      <m:sSubPr>
-                        <m:ctrlPr>
-                          <a:rPr lang="en-US" altLang="ja-JP" sz="2400" b="1" i="1" smtClean="0">
-                            <a:latin typeface="Cambria Math" panose="02040503050406030204" pitchFamily="18" charset="0"/>
-                            <a:cs typeface="Meiryo UI" pitchFamily="50" charset="-128"/>
-                          </a:rPr>
-                        </m:ctrlPr>
-                      </m:sSubPr>
-                      <m:e>
-                        <m:r>
-                          <a:rPr lang="en-US" altLang="ja-JP" sz="2400" b="1" i="1" smtClean="0">
-                            <a:latin typeface="Cambria Math" panose="02040503050406030204" pitchFamily="18" charset="0"/>
-                            <a:cs typeface="Meiryo UI" pitchFamily="50" charset="-128"/>
-                          </a:rPr>
-                          <m:t>𝑨</m:t>
-                        </m:r>
-                      </m:e>
-                      <m:sub>
-                        <m:r>
-                          <a:rPr lang="en-US" altLang="ja-JP" sz="2400" b="1" i="1" smtClean="0">
-                            <a:latin typeface="Cambria Math" panose="02040503050406030204" pitchFamily="18" charset="0"/>
-                            <a:cs typeface="Meiryo UI" pitchFamily="50" charset="-128"/>
-                          </a:rPr>
-                          <m:t>𝒋</m:t>
-                        </m:r>
-                      </m:sub>
-                    </m:sSub>
-                    <m:r>
-                      <a:rPr lang="en-US" altLang="ja-JP" sz="2400" b="1" i="1" smtClean="0">
-                        <a:latin typeface="Cambria Math" panose="02040503050406030204" pitchFamily="18" charset="0"/>
-                        <a:cs typeface="Meiryo UI" pitchFamily="50" charset="-128"/>
-                      </a:rPr>
-                      <m:t>/</m:t>
-                    </m:r>
-                    <m:r>
-                      <a:rPr lang="en-US" altLang="ja-JP" sz="2400" b="0" i="1" smtClean="0">
-                        <a:latin typeface="Cambria Math" panose="02040503050406030204" pitchFamily="18" charset="0"/>
-                        <a:cs typeface="Meiryo UI" pitchFamily="50" charset="-128"/>
-                      </a:rPr>
-                      <m:t>𝑠𝑢𝑚</m:t>
-                    </m:r>
-                    <m:r>
-                      <a:rPr lang="en-US" altLang="ja-JP" sz="2400" b="0" i="1" smtClean="0">
-                        <a:latin typeface="Cambria Math" panose="02040503050406030204" pitchFamily="18" charset="0"/>
-                        <a:cs typeface="Meiryo UI" pitchFamily="50" charset="-128"/>
-                      </a:rPr>
-                      <m:t>(</m:t>
-                    </m:r>
-                    <m:sSub>
-                      <m:sSubPr>
-                        <m:ctrlPr>
-                          <a:rPr lang="en-US" altLang="ja-JP" sz="2400" b="1" i="1" smtClean="0">
-                            <a:latin typeface="Cambria Math" panose="02040503050406030204" pitchFamily="18" charset="0"/>
-                            <a:cs typeface="Meiryo UI" pitchFamily="50" charset="-128"/>
-                          </a:rPr>
-                        </m:ctrlPr>
-                      </m:sSubPr>
-                      <m:e>
-                        <m:r>
-                          <a:rPr lang="en-US" altLang="ja-JP" sz="2400" b="1" i="1">
-                            <a:latin typeface="Cambria Math" panose="02040503050406030204" pitchFamily="18" charset="0"/>
-                            <a:cs typeface="Meiryo UI" pitchFamily="50" charset="-128"/>
-                          </a:rPr>
-                          <m:t>𝑨</m:t>
-                        </m:r>
-                      </m:e>
-                      <m:sub>
-                        <m:r>
-                          <a:rPr lang="en-US" altLang="ja-JP" sz="2400" b="1" i="1" smtClean="0">
-                            <a:latin typeface="Cambria Math" panose="02040503050406030204" pitchFamily="18" charset="0"/>
-                            <a:cs typeface="Meiryo UI" pitchFamily="50" charset="-128"/>
-                          </a:rPr>
-                          <m:t>𝒋</m:t>
-                        </m:r>
-                      </m:sub>
-                    </m:sSub>
-                    <m:r>
-                      <a:rPr lang="en-US" altLang="ja-JP" sz="2400" b="0" i="1" smtClean="0">
-                        <a:latin typeface="Cambria Math" panose="02040503050406030204" pitchFamily="18" charset="0"/>
-                        <a:cs typeface="Meiryo UI" pitchFamily="50" charset="-128"/>
-                      </a:rPr>
-                      <m:t>))/2 </m:t>
-                    </m:r>
-                  </m:oMath>
-                </a14:m>
-                <a:r>
-                  <a:rPr lang="ja-JP" altLang="en-US" sz="2400" dirty="0">
-                    <a:cs typeface="Meiryo UI" pitchFamily="50" charset="-128"/>
-                  </a:rPr>
-                  <a:t>は</a:t>
-                </a:r>
-                <a:endParaRPr lang="en-US" altLang="ja-JP" dirty="0">
-                  <a:cs typeface="Meiryo UI" pitchFamily="50" charset="-128"/>
-                </a:endParaRPr>
-              </a:p>
-            </p:txBody>
-          </p:sp>
-        </mc:Choice>
-        <mc:Fallback>
-          <p:sp>
-            <p:nvSpPr>
-              <p:cNvPr id="3" name="コンテンツ プレースホルダー 2"/>
-              <p:cNvSpPr>
-                <a:spLocks noGrp="1" noRot="1" noChangeAspect="1" noMove="1" noResize="1" noEditPoints="1" noAdjustHandles="1" noChangeArrowheads="1" noChangeShapeType="1" noTextEdit="1"/>
-              </p:cNvSpPr>
-              <p:nvPr>
-                <p:ph idx="1"/>
-              </p:nvPr>
-            </p:nvSpPr>
-            <p:spPr>
-              <a:blipFill>
-                <a:blip r:embed="rId3"/>
-                <a:stretch>
-                  <a:fillRect l="-966" t="-1596"/>
-                </a:stretch>
-              </a:blipFill>
-            </p:spPr>
-            <p:txBody>
-              <a:bodyPr/>
-              <a:lstStyle/>
-              <a:p>
-                <a:r>
-                  <a:rPr lang="ja-JP" altLang="en-US">
-                    <a:noFill/>
-                  </a:rPr>
-                  <a:t> </a:t>
-                </a:r>
-              </a:p>
-            </p:txBody>
-          </p:sp>
-        </mc:Fallback>
-      </mc:AlternateContent>
+      <p:sp>
+        <p:nvSpPr>
+          <p:cNvPr id="3" name="コンテンツ プレースホルダー 2"/>
+          <p:cNvSpPr>
+            <a:spLocks noGrp="1"/>
+          </p:cNvSpPr>
+          <p:nvPr>
+            <p:ph idx="1"/>
+          </p:nvPr>
+        </p:nvSpPr>
+        <p:spPr/>
+        <p:txBody>
+          <a:bodyPr/>
+          <a:lstStyle/>
+          <a:p>
+            <a:pPr eaLnBrk="1" hangingPunct="1"/>
+            <a:r>
+              <a:rPr lang="ja-JP" altLang="en-US">
+                <a:cs typeface="Meiryo UI" pitchFamily="50" charset="-128"/>
+              </a:rPr>
+              <a:t>５次元→５次元の</a:t>
+            </a:r>
+            <a:r>
+              <a:rPr lang="en-US" altLang="ja-JP" dirty="0">
+                <a:cs typeface="Meiryo UI" pitchFamily="50" charset="-128"/>
+              </a:rPr>
+              <a:t>FC</a:t>
+            </a:r>
+            <a:r>
+              <a:rPr lang="ja-JP" altLang="en-US">
+                <a:cs typeface="Meiryo UI" pitchFamily="50" charset="-128"/>
+              </a:rPr>
+              <a:t>層と</a:t>
+            </a:r>
+            <a:r>
+              <a:rPr lang="en-US" altLang="ja-JP" dirty="0" err="1">
+                <a:cs typeface="Meiryo UI" pitchFamily="50" charset="-128"/>
+              </a:rPr>
+              <a:t>Softmax</a:t>
+            </a:r>
+            <a:r>
+              <a:rPr lang="ja-JP" altLang="en-US">
+                <a:cs typeface="Meiryo UI" pitchFamily="50" charset="-128"/>
+              </a:rPr>
+              <a:t>層</a:t>
+            </a:r>
+            <a:br>
+              <a:rPr lang="en-US" altLang="ja-JP" dirty="0">
+                <a:cs typeface="Meiryo UI" pitchFamily="50" charset="-128"/>
+              </a:rPr>
+            </a:br>
+            <a:r>
+              <a:rPr lang="ja-JP" altLang="en-US">
+                <a:cs typeface="Meiryo UI" pitchFamily="50" charset="-128"/>
+              </a:rPr>
+              <a:t>を用いたシンプルなモデルを実装し、</a:t>
+            </a:r>
+            <a:br>
+              <a:rPr lang="en-US" altLang="ja-JP" dirty="0">
+                <a:cs typeface="Meiryo UI" pitchFamily="50" charset="-128"/>
+              </a:rPr>
+            </a:br>
+            <a:r>
+              <a:rPr lang="ja-JP" altLang="en-US">
+                <a:cs typeface="Meiryo UI" pitchFamily="50" charset="-128"/>
+              </a:rPr>
+              <a:t>遷移確率を比較する。</a:t>
+            </a:r>
+            <a:endParaRPr lang="en-US" altLang="ja-JP" dirty="0">
+              <a:cs typeface="Meiryo UI" pitchFamily="50" charset="-128"/>
+            </a:endParaRPr>
+          </a:p>
+          <a:p>
+            <a:pPr eaLnBrk="1" hangingPunct="1"/>
+            <a:r>
+              <a:rPr lang="ja-JP" altLang="en-US">
+                <a:cs typeface="Meiryo UI" pitchFamily="50" charset="-128"/>
+              </a:rPr>
+              <a:t>クロスエントロピー損失、</a:t>
+            </a:r>
+            <a:r>
+              <a:rPr lang="en-US" altLang="ja-JP" dirty="0">
+                <a:cs typeface="Meiryo UI" pitchFamily="50" charset="-128"/>
+              </a:rPr>
+              <a:t>L2</a:t>
+            </a:r>
+            <a:r>
+              <a:rPr lang="ja-JP" altLang="en-US">
+                <a:cs typeface="Meiryo UI" pitchFamily="50" charset="-128"/>
+              </a:rPr>
+              <a:t>正則化</a:t>
+            </a:r>
+            <a:r>
+              <a:rPr lang="en-US" altLang="ja-JP" dirty="0" err="1">
+                <a:cs typeface="Meiryo UI" pitchFamily="50" charset="-128"/>
+              </a:rPr>
+              <a:t>weight_decay</a:t>
+            </a:r>
+            <a:r>
+              <a:rPr lang="en-US" altLang="ja-JP" dirty="0">
+                <a:cs typeface="Meiryo UI" pitchFamily="50" charset="-128"/>
+              </a:rPr>
+              <a:t>=0.001</a:t>
+            </a:r>
+          </a:p>
+          <a:p>
+            <a:pPr eaLnBrk="1" hangingPunct="1"/>
+            <a:r>
+              <a:rPr lang="ja-JP" altLang="en-US">
+                <a:cs typeface="Meiryo UI" pitchFamily="50" charset="-128"/>
+              </a:rPr>
+              <a:t>学習データ</a:t>
+            </a:r>
+            <a:r>
+              <a:rPr lang="en-US" altLang="ja-JP" dirty="0">
+                <a:cs typeface="Meiryo UI" pitchFamily="50" charset="-128"/>
+              </a:rPr>
+              <a:t>1000</a:t>
+            </a:r>
+            <a:r>
+              <a:rPr lang="ja-JP" altLang="en-US">
+                <a:cs typeface="Meiryo UI" pitchFamily="50" charset="-128"/>
+              </a:rPr>
+              <a:t>人分、遷移ステップ</a:t>
+            </a:r>
+            <a:r>
+              <a:rPr lang="en-US" altLang="ja-JP" dirty="0">
+                <a:cs typeface="Meiryo UI" pitchFamily="50" charset="-128"/>
+              </a:rPr>
+              <a:t>5</a:t>
+            </a:r>
+            <a:r>
+              <a:rPr lang="ja-JP" altLang="en-US">
+                <a:cs typeface="Meiryo UI" pitchFamily="50" charset="-128"/>
+              </a:rPr>
+              <a:t>回遷移なので、</a:t>
+            </a:r>
+            <a:r>
+              <a:rPr lang="en-US" altLang="ja-JP" dirty="0">
+                <a:cs typeface="Meiryo UI" pitchFamily="50" charset="-128"/>
+              </a:rPr>
+              <a:t>5000</a:t>
+            </a:r>
+            <a:r>
+              <a:rPr lang="ja-JP" altLang="en-US">
+                <a:cs typeface="Meiryo UI" pitchFamily="50" charset="-128"/>
+              </a:rPr>
+              <a:t>個のデータセット</a:t>
+            </a:r>
+            <a:endParaRPr lang="en-US" altLang="ja-JP" dirty="0">
+              <a:cs typeface="Meiryo UI" pitchFamily="50" charset="-128"/>
+            </a:endParaRPr>
+          </a:p>
+        </p:txBody>
+      </p:sp>
       <p:pic>
         <p:nvPicPr>
-          <p:cNvPr id="5" name="図 4" descr="コンピューターの画面に映る文字&#10;&#10;中程度の精度で自動的に生成された説明">
+          <p:cNvPr id="7" name="図 6" descr="テキスト&#10;&#10;自動的に生成された説明">
             <a:extLst>
               <a:ext uri="{FF2B5EF4-FFF2-40B4-BE49-F238E27FC236}">
-                <a16:creationId xmlns:a16="http://schemas.microsoft.com/office/drawing/2014/main" id="{3CA595CB-DD28-6729-3E29-18B489B95491}"/>
+                <a16:creationId xmlns:a16="http://schemas.microsoft.com/office/drawing/2014/main" id="{645C6EDE-79EB-849E-7130-2BCF5972B8E2}"/>
               </a:ext>
             </a:extLst>
           </p:cNvPr>
@@ -9797,7 +10032,7 @@
           <p:nvPr/>
         </p:nvPicPr>
         <p:blipFill>
-          <a:blip r:embed="rId4">
+          <a:blip r:embed="rId3">
             <a:extLst>
               <a:ext uri="{28A0092B-C50C-407E-A947-70E740481C1C}">
                 <a14:useLocalDpi xmlns:a14="http://schemas.microsoft.com/office/drawing/2010/main" val="0"/>
@@ -9810,37 +10045,8 @@
         </p:blipFill>
         <p:spPr>
           <a:xfrm>
-            <a:off x="6265526" y="1332392"/>
-            <a:ext cx="3672810" cy="1584176"/>
-          </a:xfrm>
-          <a:prstGeom prst="rect">
-            <a:avLst/>
-          </a:prstGeom>
-        </p:spPr>
-      </p:pic>
-      <p:pic>
-        <p:nvPicPr>
-          <p:cNvPr id="4" name="図 3">
-            <a:extLst>
-              <a:ext uri="{FF2B5EF4-FFF2-40B4-BE49-F238E27FC236}">
-                <a16:creationId xmlns:a16="http://schemas.microsoft.com/office/drawing/2014/main" id="{55D773D6-D10B-A9CB-ECF5-C3E30835A286}"/>
-              </a:ext>
-            </a:extLst>
-          </p:cNvPr>
-          <p:cNvPicPr>
-            <a:picLocks noChangeAspect="1"/>
-          </p:cNvPicPr>
-          <p:nvPr/>
-        </p:nvPicPr>
-        <p:blipFill rotWithShape="1">
-          <a:blip r:embed="rId5"/>
-          <a:srcRect l="2750" t="5617" r="14795" b="8679"/>
-          <a:stretch/>
-        </p:blipFill>
-        <p:spPr>
-          <a:xfrm>
-            <a:off x="5864631" y="3233490"/>
-            <a:ext cx="4041369" cy="2542884"/>
+            <a:off x="6249144" y="1268760"/>
+            <a:ext cx="3496816" cy="1225210"/>
           </a:xfrm>
           <a:prstGeom prst="rect">
             <a:avLst/>
@@ -9894,20 +10100,251 @@
           <a:p>
             <a:r>
               <a:rPr lang="en-US" altLang="ja-JP" dirty="0"/>
-              <a:t>Step2</a:t>
+              <a:t>Step1</a:t>
             </a:r>
             <a:r>
               <a:rPr lang="ja-JP" altLang="en-US"/>
-              <a:t>：遷移経路が分からない人工データ</a:t>
-            </a:r>
-            <a:endParaRPr kumimoji="1" lang="ja-JP" altLang="en-US" dirty="0"/>
+              <a:t>：遷移経路が分かってる人工データ</a:t>
+            </a:r>
+            <a:br>
+              <a:rPr lang="en-US" altLang="ja-JP" dirty="0"/>
+            </a:br>
+            <a:r>
+              <a:rPr lang="ja-JP" altLang="en-US"/>
+              <a:t>結果</a:t>
+            </a:r>
+            <a:endParaRPr kumimoji="1" lang="ja-JP" altLang="en-US" dirty="0">
+              <a:solidFill>
+                <a:schemeClr val="tx1"/>
+              </a:solidFill>
+            </a:endParaRPr>
+          </a:p>
+        </p:txBody>
+      </p:sp>
+      <p:sp>
+        <p:nvSpPr>
+          <p:cNvPr id="3" name="コンテンツ プレースホルダー 2"/>
+          <p:cNvSpPr>
+            <a:spLocks noGrp="1"/>
+          </p:cNvSpPr>
+          <p:nvPr>
+            <p:ph idx="1"/>
+          </p:nvPr>
+        </p:nvSpPr>
+        <p:spPr/>
+        <p:txBody>
+          <a:bodyPr/>
+          <a:lstStyle/>
+          <a:p>
+            <a:pPr eaLnBrk="1" hangingPunct="1"/>
+            <a:r>
+              <a:rPr lang="ja-JP" altLang="en-US">
+                <a:cs typeface="Meiryo UI" pitchFamily="50" charset="-128"/>
+              </a:rPr>
+              <a:t>データ生成元の依存関係行列とモデルの</a:t>
+            </a:r>
+            <a:r>
+              <a:rPr lang="en-US" altLang="ja-JP" dirty="0">
+                <a:cs typeface="Meiryo UI" pitchFamily="50" charset="-128"/>
+              </a:rPr>
+              <a:t>FC</a:t>
+            </a:r>
+            <a:r>
+              <a:rPr lang="ja-JP" altLang="en-US">
+                <a:cs typeface="Meiryo UI" pitchFamily="50" charset="-128"/>
+              </a:rPr>
+              <a:t>層の出力の比較</a:t>
+            </a:r>
+            <a:endParaRPr lang="en-US" altLang="ja-JP" dirty="0">
+              <a:cs typeface="Meiryo UI" pitchFamily="50" charset="-128"/>
+            </a:endParaRPr>
+          </a:p>
+          <a:p>
+            <a:pPr marL="0" indent="0" eaLnBrk="1" hangingPunct="1">
+              <a:buNone/>
+            </a:pPr>
+            <a:r>
+              <a:rPr lang="ja-JP" altLang="en-US" sz="2400">
+                <a:cs typeface="Meiryo UI" pitchFamily="50" charset="-128"/>
+              </a:rPr>
+              <a:t>これを元に</a:t>
+            </a:r>
+            <a:r>
+              <a:rPr lang="en-US" altLang="ja-JP" sz="2400" dirty="0" err="1">
+                <a:cs typeface="Meiryo UI" pitchFamily="50" charset="-128"/>
+              </a:rPr>
+              <a:t>softmax</a:t>
+            </a:r>
+            <a:r>
+              <a:rPr lang="ja-JP" altLang="en-US" sz="2400">
+                <a:cs typeface="Meiryo UI" pitchFamily="50" charset="-128"/>
+              </a:rPr>
+              <a:t>して確率求めているので</a:t>
+            </a:r>
+            <a:r>
+              <a:rPr lang="en-US" altLang="ja-JP" sz="2400" dirty="0">
+                <a:cs typeface="Meiryo UI" pitchFamily="50" charset="-128"/>
+              </a:rPr>
+              <a:t>1</a:t>
+            </a:r>
+            <a:r>
+              <a:rPr lang="ja-JP" altLang="en-US" sz="2400">
+                <a:cs typeface="Meiryo UI" pitchFamily="50" charset="-128"/>
+              </a:rPr>
+              <a:t>の場所が大きいほど良い</a:t>
+            </a:r>
+            <a:endParaRPr lang="en-US" altLang="ja-JP" sz="2400" dirty="0">
+              <a:cs typeface="Meiryo UI" pitchFamily="50" charset="-128"/>
+            </a:endParaRPr>
+          </a:p>
+        </p:txBody>
+      </p:sp>
+      <p:pic>
+        <p:nvPicPr>
+          <p:cNvPr id="5" name="図 4" descr="テキスト&#10;&#10;自動的に生成された説明">
+            <a:extLst>
+              <a:ext uri="{FF2B5EF4-FFF2-40B4-BE49-F238E27FC236}">
+                <a16:creationId xmlns:a16="http://schemas.microsoft.com/office/drawing/2014/main" id="{01D64B9E-5340-07AD-D1D6-D6C94B620671}"/>
+              </a:ext>
+            </a:extLst>
+          </p:cNvPr>
+          <p:cNvPicPr>
+            <a:picLocks noChangeAspect="1"/>
+          </p:cNvPicPr>
+          <p:nvPr/>
+        </p:nvPicPr>
+        <p:blipFill>
+          <a:blip r:embed="rId3">
+            <a:extLst>
+              <a:ext uri="{28A0092B-C50C-407E-A947-70E740481C1C}">
+                <a14:useLocalDpi xmlns:a14="http://schemas.microsoft.com/office/drawing/2010/main" val="0"/>
+              </a:ext>
+            </a:extLst>
+          </a:blip>
+          <a:stretch>
+            <a:fillRect/>
+          </a:stretch>
+        </p:blipFill>
+        <p:spPr>
+          <a:xfrm>
+            <a:off x="5241032" y="3196686"/>
+            <a:ext cx="4155714" cy="1168418"/>
+          </a:xfrm>
+          <a:prstGeom prst="rect">
+            <a:avLst/>
+          </a:prstGeom>
+        </p:spPr>
+      </p:pic>
+      <p:pic>
+        <p:nvPicPr>
+          <p:cNvPr id="6" name="図 5" descr="コンピューターの画面に映る文字&#10;&#10;中程度の精度で自動的に生成された説明">
+            <a:extLst>
+              <a:ext uri="{FF2B5EF4-FFF2-40B4-BE49-F238E27FC236}">
+                <a16:creationId xmlns:a16="http://schemas.microsoft.com/office/drawing/2014/main" id="{1340FEA2-510F-4095-6003-21D753B4C2D6}"/>
+              </a:ext>
+            </a:extLst>
+          </p:cNvPr>
+          <p:cNvPicPr>
+            <a:picLocks noChangeAspect="1"/>
+          </p:cNvPicPr>
+          <p:nvPr/>
+        </p:nvPicPr>
+        <p:blipFill rotWithShape="1">
+          <a:blip r:embed="rId4">
+            <a:extLst>
+              <a:ext uri="{28A0092B-C50C-407E-A947-70E740481C1C}">
+                <a14:useLocalDpi xmlns:a14="http://schemas.microsoft.com/office/drawing/2010/main" val="0"/>
+              </a:ext>
+            </a:extLst>
+          </a:blip>
+          <a:srcRect r="54907"/>
+          <a:stretch/>
+        </p:blipFill>
+        <p:spPr>
+          <a:xfrm>
+            <a:off x="1784648" y="2988807"/>
+            <a:ext cx="1656184" cy="1584176"/>
+          </a:xfrm>
+          <a:prstGeom prst="rect">
+            <a:avLst/>
+          </a:prstGeom>
+        </p:spPr>
+      </p:pic>
+      <p:sp>
+        <p:nvSpPr>
+          <p:cNvPr id="8" name="テキスト ボックス 7">
+            <a:extLst>
+              <a:ext uri="{FF2B5EF4-FFF2-40B4-BE49-F238E27FC236}">
+                <a16:creationId xmlns:a16="http://schemas.microsoft.com/office/drawing/2014/main" id="{B43E82E4-E75D-6EAF-2F0D-5811CE753A0B}"/>
+              </a:ext>
+            </a:extLst>
+          </p:cNvPr>
+          <p:cNvSpPr txBox="1"/>
+          <p:nvPr/>
+        </p:nvSpPr>
+        <p:spPr>
+          <a:xfrm>
+            <a:off x="2289574" y="4618191"/>
+            <a:ext cx="646331" cy="341632"/>
+          </a:xfrm>
+          <a:prstGeom prst="rect">
+            <a:avLst/>
+          </a:prstGeom>
+          <a:noFill/>
+        </p:spPr>
+        <p:txBody>
+          <a:bodyPr wrap="none" rtlCol="0">
+            <a:spAutoFit/>
+          </a:bodyPr>
+          <a:lstStyle/>
+          <a:p>
+            <a:r>
+              <a:rPr kumimoji="1" lang="ja-JP" altLang="en-US"/>
+              <a:t>実際</a:t>
+            </a:r>
+          </a:p>
+        </p:txBody>
+      </p:sp>
+      <p:sp>
+        <p:nvSpPr>
+          <p:cNvPr id="9" name="テキスト ボックス 8">
+            <a:extLst>
+              <a:ext uri="{FF2B5EF4-FFF2-40B4-BE49-F238E27FC236}">
+                <a16:creationId xmlns:a16="http://schemas.microsoft.com/office/drawing/2014/main" id="{FACFFA79-FFC4-CB77-C951-183C0CEC36E4}"/>
+              </a:ext>
+            </a:extLst>
+          </p:cNvPr>
+          <p:cNvSpPr txBox="1"/>
+          <p:nvPr/>
+        </p:nvSpPr>
+        <p:spPr>
+          <a:xfrm>
+            <a:off x="6764891" y="4618191"/>
+            <a:ext cx="1107996" cy="341632"/>
+          </a:xfrm>
+          <a:prstGeom prst="rect">
+            <a:avLst/>
+          </a:prstGeom>
+          <a:noFill/>
+        </p:spPr>
+        <p:txBody>
+          <a:bodyPr wrap="none" rtlCol="0">
+            <a:spAutoFit/>
+          </a:bodyPr>
+          <a:lstStyle/>
+          <a:p>
+            <a:r>
+              <a:rPr lang="ja-JP" altLang="en-US"/>
+              <a:t>学習結果</a:t>
+            </a:r>
+            <a:endParaRPr kumimoji="1" lang="ja-JP" altLang="en-US"/>
           </a:p>
         </p:txBody>
       </p:sp>
     </p:spTree>
     <p:extLst>
       <p:ext uri="{BB962C8B-B14F-4D97-AF65-F5344CB8AC3E}">
-        <p14:creationId xmlns:p14="http://schemas.microsoft.com/office/powerpoint/2010/main" val="2073979649"/>
+        <p14:creationId xmlns:p14="http://schemas.microsoft.com/office/powerpoint/2010/main" val="4108559270"/>
       </p:ext>
     </p:extLst>
   </p:cSld>
@@ -9950,23 +10387,19 @@
           <a:lstStyle/>
           <a:p>
             <a:r>
+              <a:rPr lang="en-US" altLang="ja-JP" dirty="0"/>
+              <a:t>Step1</a:t>
+            </a:r>
+            <a:r>
               <a:rPr lang="ja-JP" altLang="en-US"/>
-              <a:t>集団テストからの時系列復元</a:t>
-            </a:r>
-            <a:r>
-              <a:rPr lang="en-US" altLang="ja-JP" dirty="0"/>
-              <a:t>:</a:t>
+              <a:t>：遷移経路が分かってる人工データ</a:t>
             </a:r>
             <a:br>
               <a:rPr lang="en-US" altLang="ja-JP" dirty="0"/>
             </a:br>
             <a:r>
-              <a:rPr lang="en-US" altLang="ja-JP" dirty="0"/>
-              <a:t>Step2</a:t>
-            </a:r>
-            <a:r>
               <a:rPr lang="ja-JP" altLang="en-US"/>
-              <a:t>：遷移経路が分からない人工データ</a:t>
+              <a:t>結果</a:t>
             </a:r>
             <a:endParaRPr kumimoji="1" lang="ja-JP" altLang="en-US" dirty="0">
               <a:solidFill>
@@ -9993,45 +10426,63 @@
           <a:p>
             <a:pPr eaLnBrk="1" hangingPunct="1"/>
             <a:r>
-              <a:rPr lang="ja-JP" altLang="en-US">
+              <a:rPr lang="ja-JP" altLang="en-US" sz="2400">
                 <a:cs typeface="Meiryo UI" pitchFamily="50" charset="-128"/>
               </a:rPr>
-              <a:t>問題ごとの依存関係を前提とした人工データを作成</a:t>
-            </a:r>
-            <a:endParaRPr lang="en-US" altLang="ja-JP" dirty="0">
-              <a:cs typeface="Meiryo UI" pitchFamily="50" charset="-128"/>
-            </a:endParaRPr>
-          </a:p>
-          <a:p>
-            <a:pPr eaLnBrk="1" hangingPunct="1"/>
-            <a:r>
-              <a:rPr lang="ja-JP" altLang="en-US">
+              <a:t>遷移確率（ノードの値は実際の遷移確率。</a:t>
+            </a:r>
+            <a:r>
+              <a:rPr lang="en-US" altLang="ja-JP" sz="2400" dirty="0">
                 <a:cs typeface="Meiryo UI" pitchFamily="50" charset="-128"/>
               </a:rPr>
-              <a:t>ただし、遷移経路は分からない</a:t>
-            </a:r>
-            <a:endParaRPr lang="en-US" altLang="ja-JP" dirty="0">
-              <a:cs typeface="Meiryo UI" pitchFamily="50" charset="-128"/>
-            </a:endParaRPr>
-          </a:p>
-          <a:p>
-            <a:pPr eaLnBrk="1" hangingPunct="1"/>
-            <a:r>
-              <a:rPr lang="ja-JP" altLang="en-US">
+              <a:t>()</a:t>
+            </a:r>
+            <a:r>
+              <a:rPr lang="ja-JP" altLang="en-US" sz="2400">
                 <a:cs typeface="Meiryo UI" pitchFamily="50" charset="-128"/>
               </a:rPr>
-              <a:t>各ノードの分布のみから依存関係を復元したい</a:t>
-            </a:r>
-            <a:endParaRPr lang="en-US" altLang="ja-JP" dirty="0">
+              <a:t>内は予測値）</a:t>
+            </a:r>
+            <a:endParaRPr lang="en-US" altLang="ja-JP" sz="2400" dirty="0">
               <a:cs typeface="Meiryo UI" pitchFamily="50" charset="-128"/>
             </a:endParaRPr>
           </a:p>
         </p:txBody>
       </p:sp>
+      <p:pic>
+        <p:nvPicPr>
+          <p:cNvPr id="4" name="図 3">
+            <a:extLst>
+              <a:ext uri="{FF2B5EF4-FFF2-40B4-BE49-F238E27FC236}">
+                <a16:creationId xmlns:a16="http://schemas.microsoft.com/office/drawing/2014/main" id="{6B92F70F-30FC-7672-190F-7C75E8034A5C}"/>
+              </a:ext>
+            </a:extLst>
+          </p:cNvPr>
+          <p:cNvPicPr>
+            <a:picLocks noChangeAspect="1"/>
+          </p:cNvPicPr>
+          <p:nvPr/>
+        </p:nvPicPr>
+        <p:blipFill>
+          <a:blip r:embed="rId3"/>
+          <a:stretch>
+            <a:fillRect/>
+          </a:stretch>
+        </p:blipFill>
+        <p:spPr>
+          <a:xfrm>
+            <a:off x="1064568" y="1766446"/>
+            <a:ext cx="8208912" cy="4969341"/>
+          </a:xfrm>
+          <a:prstGeom prst="rect">
+            <a:avLst/>
+          </a:prstGeom>
+        </p:spPr>
+      </p:pic>
     </p:spTree>
     <p:extLst>
       <p:ext uri="{BB962C8B-B14F-4D97-AF65-F5344CB8AC3E}">
-        <p14:creationId xmlns:p14="http://schemas.microsoft.com/office/powerpoint/2010/main" val="2333602121"/>
+        <p14:creationId xmlns:p14="http://schemas.microsoft.com/office/powerpoint/2010/main" val="2808237781"/>
       </p:ext>
     </p:extLst>
   </p:cSld>
@@ -10075,11 +10526,11 @@
           <a:p>
             <a:r>
               <a:rPr lang="en-US" altLang="ja-JP" dirty="0"/>
-              <a:t>Step3</a:t>
+              <a:t>Step2</a:t>
             </a:r>
             <a:r>
               <a:rPr lang="ja-JP" altLang="en-US"/>
-              <a:t>：遷移も分かってる人工データ</a:t>
+              <a:t>：遷移経路が分からない人工データ</a:t>
             </a:r>
             <a:endParaRPr kumimoji="1" lang="ja-JP" altLang="en-US" dirty="0"/>
           </a:p>
@@ -10088,7 +10539,7 @@
     </p:spTree>
     <p:extLst>
       <p:ext uri="{BB962C8B-B14F-4D97-AF65-F5344CB8AC3E}">
-        <p14:creationId xmlns:p14="http://schemas.microsoft.com/office/powerpoint/2010/main" val="3800454122"/>
+        <p14:creationId xmlns:p14="http://schemas.microsoft.com/office/powerpoint/2010/main" val="2073979649"/>
       </p:ext>
     </p:extLst>
   </p:cSld>
